--- a/Assignment 2/Presentation_Ass2.pptx
+++ b/Assignment 2/Presentation_Ass2.pptx
@@ -110,6 +110,11 @@
       </a:defRPr>
     </a:lvl9pPr>
   </p:defaultTextStyle>
+  <p:extLst>
+    <p:ext uri="{EFAFB233-063F-42B5-8137-9DF3F51BA10A}">
+      <p15:sldGuideLst xmlns:p15="http://schemas.microsoft.com/office/powerpoint/2012/main"/>
+    </p:ext>
+  </p:extLst>
 </p:presentation>
 </file>
 
@@ -858,7 +863,7 @@
           <a:p>
             <a:fld id="{DD52D263-9850-4BD1-9173-40FDCBC9E052}" type="datetimeFigureOut">
               <a:rPr lang="it-IT" smtClean="0"/>
-              <a:t>30/03/2022</a:t>
+              <a:t>31/03/2022</a:t>
             </a:fld>
             <a:endParaRPr lang="it-IT"/>
           </a:p>
@@ -1109,7 +1114,7 @@
           <a:p>
             <a:fld id="{DD52D263-9850-4BD1-9173-40FDCBC9E052}" type="datetimeFigureOut">
               <a:rPr lang="it-IT" smtClean="0"/>
-              <a:t>30/03/2022</a:t>
+              <a:t>31/03/2022</a:t>
             </a:fld>
             <a:endParaRPr lang="it-IT"/>
           </a:p>
@@ -1423,7 +1428,7 @@
           <a:p>
             <a:fld id="{DD52D263-9850-4BD1-9173-40FDCBC9E052}" type="datetimeFigureOut">
               <a:rPr lang="it-IT" smtClean="0"/>
-              <a:t>30/03/2022</a:t>
+              <a:t>31/03/2022</a:t>
             </a:fld>
             <a:endParaRPr lang="it-IT"/>
           </a:p>
@@ -1756,7 +1761,7 @@
           <a:p>
             <a:fld id="{DD52D263-9850-4BD1-9173-40FDCBC9E052}" type="datetimeFigureOut">
               <a:rPr lang="it-IT" smtClean="0"/>
-              <a:t>30/03/2022</a:t>
+              <a:t>31/03/2022</a:t>
             </a:fld>
             <a:endParaRPr lang="it-IT"/>
           </a:p>
@@ -2070,7 +2075,7 @@
           <a:p>
             <a:fld id="{DD52D263-9850-4BD1-9173-40FDCBC9E052}" type="datetimeFigureOut">
               <a:rPr lang="it-IT" smtClean="0"/>
-              <a:t>30/03/2022</a:t>
+              <a:t>31/03/2022</a:t>
             </a:fld>
             <a:endParaRPr lang="it-IT"/>
           </a:p>
@@ -2463,7 +2468,7 @@
           <a:p>
             <a:fld id="{DD52D263-9850-4BD1-9173-40FDCBC9E052}" type="datetimeFigureOut">
               <a:rPr lang="it-IT" smtClean="0"/>
-              <a:t>30/03/2022</a:t>
+              <a:t>31/03/2022</a:t>
             </a:fld>
             <a:endParaRPr lang="it-IT"/>
           </a:p>
@@ -2633,7 +2638,7 @@
           <a:p>
             <a:fld id="{DD52D263-9850-4BD1-9173-40FDCBC9E052}" type="datetimeFigureOut">
               <a:rPr lang="it-IT" smtClean="0"/>
-              <a:t>30/03/2022</a:t>
+              <a:t>31/03/2022</a:t>
             </a:fld>
             <a:endParaRPr lang="it-IT"/>
           </a:p>
@@ -2813,7 +2818,7 @@
           <a:p>
             <a:fld id="{DD52D263-9850-4BD1-9173-40FDCBC9E052}" type="datetimeFigureOut">
               <a:rPr lang="it-IT" smtClean="0"/>
-              <a:t>30/03/2022</a:t>
+              <a:t>31/03/2022</a:t>
             </a:fld>
             <a:endParaRPr lang="it-IT"/>
           </a:p>
@@ -2983,7 +2988,7 @@
           <a:p>
             <a:fld id="{DD52D263-9850-4BD1-9173-40FDCBC9E052}" type="datetimeFigureOut">
               <a:rPr lang="it-IT" smtClean="0"/>
-              <a:t>30/03/2022</a:t>
+              <a:t>31/03/2022</a:t>
             </a:fld>
             <a:endParaRPr lang="it-IT"/>
           </a:p>
@@ -3230,7 +3235,7 @@
           <a:p>
             <a:fld id="{DD52D263-9850-4BD1-9173-40FDCBC9E052}" type="datetimeFigureOut">
               <a:rPr lang="it-IT" smtClean="0"/>
-              <a:t>30/03/2022</a:t>
+              <a:t>31/03/2022</a:t>
             </a:fld>
             <a:endParaRPr lang="it-IT"/>
           </a:p>
@@ -3462,7 +3467,7 @@
           <a:p>
             <a:fld id="{DD52D263-9850-4BD1-9173-40FDCBC9E052}" type="datetimeFigureOut">
               <a:rPr lang="it-IT" smtClean="0"/>
-              <a:t>30/03/2022</a:t>
+              <a:t>31/03/2022</a:t>
             </a:fld>
             <a:endParaRPr lang="it-IT"/>
           </a:p>
@@ -3836,7 +3841,7 @@
           <a:p>
             <a:fld id="{DD52D263-9850-4BD1-9173-40FDCBC9E052}" type="datetimeFigureOut">
               <a:rPr lang="it-IT" smtClean="0"/>
-              <a:t>30/03/2022</a:t>
+              <a:t>31/03/2022</a:t>
             </a:fld>
             <a:endParaRPr lang="it-IT"/>
           </a:p>
@@ -3959,7 +3964,7 @@
           <a:p>
             <a:fld id="{DD52D263-9850-4BD1-9173-40FDCBC9E052}" type="datetimeFigureOut">
               <a:rPr lang="it-IT" smtClean="0"/>
-              <a:t>30/03/2022</a:t>
+              <a:t>31/03/2022</a:t>
             </a:fld>
             <a:endParaRPr lang="it-IT"/>
           </a:p>
@@ -4054,7 +4059,7 @@
           <a:p>
             <a:fld id="{DD52D263-9850-4BD1-9173-40FDCBC9E052}" type="datetimeFigureOut">
               <a:rPr lang="it-IT" smtClean="0"/>
-              <a:t>30/03/2022</a:t>
+              <a:t>31/03/2022</a:t>
             </a:fld>
             <a:endParaRPr lang="it-IT"/>
           </a:p>
@@ -4309,7 +4314,7 @@
           <a:p>
             <a:fld id="{DD52D263-9850-4BD1-9173-40FDCBC9E052}" type="datetimeFigureOut">
               <a:rPr lang="it-IT" smtClean="0"/>
-              <a:t>30/03/2022</a:t>
+              <a:t>31/03/2022</a:t>
             </a:fld>
             <a:endParaRPr lang="it-IT"/>
           </a:p>
@@ -4614,7 +4619,7 @@
           <a:p>
             <a:fld id="{DD52D263-9850-4BD1-9173-40FDCBC9E052}" type="datetimeFigureOut">
               <a:rPr lang="it-IT" smtClean="0"/>
-              <a:t>30/03/2022</a:t>
+              <a:t>31/03/2022</a:t>
             </a:fld>
             <a:endParaRPr lang="it-IT"/>
           </a:p>
@@ -5316,7 +5321,7 @@
           <a:p>
             <a:fld id="{DD52D263-9850-4BD1-9173-40FDCBC9E052}" type="datetimeFigureOut">
               <a:rPr lang="it-IT" smtClean="0"/>
-              <a:t>30/03/2022</a:t>
+              <a:t>31/03/2022</a:t>
             </a:fld>
             <a:endParaRPr lang="it-IT"/>
           </a:p>
@@ -5910,8 +5915,8 @@
         </p:nvSpPr>
         <p:spPr>
           <a:xfrm>
-            <a:off x="5495618" y="1732700"/>
-            <a:ext cx="4299666" cy="871042"/>
+            <a:off x="5495618" y="1779553"/>
+            <a:ext cx="4299666" cy="1353261"/>
           </a:xfrm>
         </p:spPr>
         <p:txBody>
@@ -5944,6 +5949,29 @@
                 </a:solidFill>
               </a:rPr>
               <a:t> Learning</a:t>
+            </a:r>
+            <a:br>
+              <a:rPr lang="it-IT" dirty="0">
+                <a:solidFill>
+                  <a:schemeClr val="tx1"/>
+                </a:solidFill>
+              </a:rPr>
+            </a:br>
+            <a:endParaRPr lang="it-IT" dirty="0">
+              <a:solidFill>
+                <a:schemeClr val="tx1"/>
+              </a:solidFill>
+            </a:endParaRPr>
+          </a:p>
+          <a:p>
+            <a:pPr algn="l"/>
+            <a:r>
+              <a:rPr lang="it-IT" dirty="0">
+                <a:solidFill>
+                  <a:schemeClr val="tx1"/>
+                </a:solidFill>
+              </a:rPr>
+              <a:t>Simone Sinceri</a:t>
             </a:r>
           </a:p>
         </p:txBody>
@@ -6131,114 +6159,234 @@
           <a:lstStyle/>
           <a:p>
             <a:r>
-              <a:rPr lang="it-IT" dirty="0"/>
+              <a:rPr lang="it-IT" dirty="0">
+                <a:solidFill>
+                  <a:schemeClr val="tx1"/>
+                </a:solidFill>
+              </a:rPr>
               <a:t>Modellare il gioco come un </a:t>
             </a:r>
             <a:r>
-              <a:rPr lang="it-IT" b="1" dirty="0"/>
+              <a:rPr lang="it-IT" b="1" dirty="0">
+                <a:solidFill>
+                  <a:schemeClr val="tx1"/>
+                </a:solidFill>
+              </a:rPr>
               <a:t>Markov </a:t>
             </a:r>
             <a:r>
-              <a:rPr lang="it-IT" b="1" dirty="0" err="1"/>
+              <a:rPr lang="it-IT" b="1" dirty="0" err="1">
+                <a:solidFill>
+                  <a:schemeClr val="tx1"/>
+                </a:solidFill>
+              </a:rPr>
               <a:t>Decision</a:t>
             </a:r>
             <a:r>
-              <a:rPr lang="it-IT" b="1" dirty="0"/>
+              <a:rPr lang="it-IT" b="1" dirty="0">
+                <a:solidFill>
+                  <a:schemeClr val="tx1"/>
+                </a:solidFill>
+              </a:rPr>
               <a:t> </a:t>
             </a:r>
             <a:r>
-              <a:rPr lang="it-IT" b="1" dirty="0" err="1"/>
+              <a:rPr lang="it-IT" b="1" dirty="0" err="1">
+                <a:solidFill>
+                  <a:schemeClr val="tx1"/>
+                </a:solidFill>
+              </a:rPr>
               <a:t>Process</a:t>
             </a:r>
             <a:r>
-              <a:rPr lang="it-IT" b="1" dirty="0"/>
+              <a:rPr lang="it-IT" b="1" dirty="0">
+                <a:solidFill>
+                  <a:schemeClr val="tx1"/>
+                </a:solidFill>
+              </a:rPr>
               <a:t> (MDP)</a:t>
             </a:r>
             <a:br>
-              <a:rPr lang="it-IT" b="1" dirty="0"/>
+              <a:rPr lang="it-IT" b="1" dirty="0">
+                <a:solidFill>
+                  <a:schemeClr val="tx1"/>
+                </a:solidFill>
+              </a:rPr>
             </a:br>
             <a:r>
-              <a:rPr lang="it-IT" dirty="0"/>
+              <a:rPr lang="it-IT" dirty="0">
+                <a:solidFill>
+                  <a:schemeClr val="tx1"/>
+                </a:solidFill>
+              </a:rPr>
               <a:t>- ogni configurazione della griglia è uno stato</a:t>
             </a:r>
             <a:br>
-              <a:rPr lang="it-IT" dirty="0"/>
+              <a:rPr lang="it-IT" dirty="0">
+                <a:solidFill>
+                  <a:schemeClr val="tx1"/>
+                </a:solidFill>
+              </a:rPr>
             </a:br>
             <a:r>
-              <a:rPr lang="it-IT" dirty="0"/>
+              <a:rPr lang="it-IT" dirty="0">
+                <a:solidFill>
+                  <a:schemeClr val="tx1"/>
+                </a:solidFill>
+              </a:rPr>
               <a:t>- l’azione è scegliere dove mettere il proprio segno</a:t>
             </a:r>
             <a:br>
-              <a:rPr lang="it-IT" dirty="0"/>
+              <a:rPr lang="it-IT" dirty="0">
+                <a:solidFill>
+                  <a:schemeClr val="tx1"/>
+                </a:solidFill>
+              </a:rPr>
             </a:br>
             <a:r>
-              <a:rPr lang="it-IT" dirty="0"/>
+              <a:rPr lang="it-IT" dirty="0">
+                <a:solidFill>
+                  <a:schemeClr val="tx1"/>
+                </a:solidFill>
+              </a:rPr>
               <a:t>- l’avversario gioca prendendo azioni random</a:t>
             </a:r>
             <a:br>
-              <a:rPr lang="it-IT" dirty="0"/>
+              <a:rPr lang="it-IT" dirty="0">
+                <a:solidFill>
+                  <a:schemeClr val="tx1"/>
+                </a:solidFill>
+              </a:rPr>
             </a:br>
             <a:r>
-              <a:rPr lang="it-IT" dirty="0"/>
+              <a:rPr lang="it-IT" dirty="0">
+                <a:solidFill>
+                  <a:schemeClr val="tx1"/>
+                </a:solidFill>
+              </a:rPr>
               <a:t>- ricompensa pari a +1 per vittoria, -1 per sconfitta e 0 per parità</a:t>
             </a:r>
             <a:br>
-              <a:rPr lang="it-IT" dirty="0"/>
+              <a:rPr lang="it-IT" dirty="0">
+                <a:solidFill>
+                  <a:schemeClr val="tx1"/>
+                </a:solidFill>
+              </a:rPr>
             </a:br>
-            <a:endParaRPr lang="it-IT" dirty="0"/>
-          </a:p>
-          <a:p>
-            <a:r>
-              <a:rPr lang="it-IT" dirty="0"/>
+            <a:endParaRPr lang="it-IT" dirty="0">
+              <a:solidFill>
+                <a:schemeClr val="tx1"/>
+              </a:solidFill>
+            </a:endParaRPr>
+          </a:p>
+          <a:p>
+            <a:r>
+              <a:rPr lang="it-IT" dirty="0">
+                <a:solidFill>
+                  <a:schemeClr val="tx1"/>
+                </a:solidFill>
+              </a:rPr>
               <a:t>Utilizzare gli </a:t>
             </a:r>
             <a:r>
-              <a:rPr lang="it-IT" b="1" dirty="0" err="1"/>
+              <a:rPr lang="it-IT" b="1" dirty="0" err="1">
+                <a:solidFill>
+                  <a:schemeClr val="tx1"/>
+                </a:solidFill>
+              </a:rPr>
               <a:t>Afterstate</a:t>
             </a:r>
             <a:br>
-              <a:rPr lang="it-IT" dirty="0"/>
+              <a:rPr lang="it-IT" dirty="0">
+                <a:solidFill>
+                  <a:schemeClr val="tx1"/>
+                </a:solidFill>
+              </a:rPr>
             </a:br>
             <a:r>
-              <a:rPr lang="it-IT" dirty="0"/>
+              <a:rPr lang="it-IT" dirty="0">
+                <a:solidFill>
+                  <a:schemeClr val="tx1"/>
+                </a:solidFill>
+              </a:rPr>
               <a:t>- considera la configurazione della griglia dopo l’avversario ha fatto la sua azione</a:t>
             </a:r>
             <a:br>
-              <a:rPr lang="it-IT" dirty="0"/>
+              <a:rPr lang="it-IT" dirty="0">
+                <a:solidFill>
+                  <a:schemeClr val="tx1"/>
+                </a:solidFill>
+              </a:rPr>
             </a:br>
-            <a:endParaRPr lang="it-IT" dirty="0"/>
-          </a:p>
-          <a:p>
-            <a:r>
-              <a:rPr lang="it-IT" dirty="0"/>
+            <a:endParaRPr lang="it-IT" dirty="0">
+              <a:solidFill>
+                <a:schemeClr val="tx1"/>
+              </a:solidFill>
+            </a:endParaRPr>
+          </a:p>
+          <a:p>
+            <a:r>
+              <a:rPr lang="it-IT" dirty="0">
+                <a:solidFill>
+                  <a:schemeClr val="tx1"/>
+                </a:solidFill>
+              </a:rPr>
               <a:t>Applicare </a:t>
             </a:r>
             <a:r>
-              <a:rPr lang="it-IT" b="1" dirty="0"/>
+              <a:rPr lang="it-IT" b="1" dirty="0">
+                <a:solidFill>
+                  <a:schemeClr val="tx1"/>
+                </a:solidFill>
+              </a:rPr>
               <a:t>Policy </a:t>
             </a:r>
             <a:r>
-              <a:rPr lang="it-IT" b="1" dirty="0" err="1"/>
+              <a:rPr lang="it-IT" b="1" dirty="0" err="1">
+                <a:solidFill>
+                  <a:schemeClr val="tx1"/>
+                </a:solidFill>
+              </a:rPr>
               <a:t>Iteration</a:t>
             </a:r>
             <a:r>
-              <a:rPr lang="it-IT" b="1" dirty="0"/>
+              <a:rPr lang="it-IT" b="1" dirty="0">
+                <a:solidFill>
+                  <a:schemeClr val="tx1"/>
+                </a:solidFill>
+              </a:rPr>
               <a:t> (PI) </a:t>
             </a:r>
             <a:r>
-              <a:rPr lang="it-IT" dirty="0"/>
+              <a:rPr lang="it-IT" dirty="0">
+                <a:solidFill>
+                  <a:schemeClr val="tx1"/>
+                </a:solidFill>
+              </a:rPr>
               <a:t>e </a:t>
             </a:r>
             <a:r>
-              <a:rPr lang="it-IT" b="1" dirty="0"/>
+              <a:rPr lang="it-IT" b="1" dirty="0">
+                <a:solidFill>
+                  <a:schemeClr val="tx1"/>
+                </a:solidFill>
+              </a:rPr>
               <a:t>Value </a:t>
             </a:r>
             <a:r>
-              <a:rPr lang="it-IT" b="1" dirty="0" err="1"/>
+              <a:rPr lang="it-IT" b="1" dirty="0" err="1">
+                <a:solidFill>
+                  <a:schemeClr val="tx1"/>
+                </a:solidFill>
+              </a:rPr>
               <a:t>Iteration</a:t>
             </a:r>
             <a:r>
-              <a:rPr lang="it-IT" b="1" dirty="0"/>
+              <a:rPr lang="it-IT" b="1" dirty="0">
+                <a:solidFill>
+                  <a:schemeClr val="tx1"/>
+                </a:solidFill>
+              </a:rPr>
               <a:t> (VI)</a:t>
             </a:r>
           </a:p>
@@ -6361,7 +6509,11 @@
               <a:lstStyle/>
               <a:p>
                 <a:r>
-                  <a:rPr lang="it-IT" dirty="0"/>
+                  <a:rPr lang="it-IT" dirty="0">
+                    <a:solidFill>
+                      <a:schemeClr val="tx1"/>
+                    </a:solidFill>
+                  </a:rPr>
                   <a:t>Dimensione dello spazio di stato elevata per metodi tabellari considerando tutte le possibili configurazioni della griglia (</a:t>
                 </a:r>
                 <a14:m>
@@ -6370,6 +6522,9 @@
                       <m:sSupPr>
                         <m:ctrlPr>
                           <a:rPr lang="it-IT" b="0" i="1" smtClean="0">
+                            <a:solidFill>
+                              <a:schemeClr val="tx1"/>
+                            </a:solidFill>
                             <a:latin typeface="Cambria Math" panose="02040503050406030204" pitchFamily="18" charset="0"/>
                           </a:rPr>
                         </m:ctrlPr>
@@ -6377,6 +6532,9 @@
                       <m:e>
                         <m:r>
                           <a:rPr lang="it-IT" b="0" i="1" smtClean="0">
+                            <a:solidFill>
+                              <a:schemeClr val="tx1"/>
+                            </a:solidFill>
                             <a:latin typeface="Cambria Math" panose="02040503050406030204" pitchFamily="18" charset="0"/>
                           </a:rPr>
                           <m:t>3</m:t>
@@ -6385,6 +6543,9 @@
                       <m:sup>
                         <m:r>
                           <a:rPr lang="it-IT" b="0" i="1" smtClean="0">
+                            <a:solidFill>
+                              <a:schemeClr val="tx1"/>
+                            </a:solidFill>
                             <a:latin typeface="Cambria Math" panose="02040503050406030204" pitchFamily="18" charset="0"/>
                           </a:rPr>
                           <m:t>9</m:t>
@@ -6393,6 +6554,9 @@
                     </m:sSup>
                     <m:r>
                       <a:rPr lang="it-IT" b="0" i="1" smtClean="0">
+                        <a:solidFill>
+                          <a:schemeClr val="tx1"/>
+                        </a:solidFill>
                         <a:latin typeface="Cambria Math" panose="02040503050406030204" pitchFamily="18" charset="0"/>
                       </a:rPr>
                       <m:t>=19683</m:t>
@@ -6400,17 +6564,33 @@
                   </m:oMath>
                 </a14:m>
                 <a:r>
-                  <a:rPr lang="it-IT" dirty="0"/>
+                  <a:rPr lang="it-IT" dirty="0">
+                    <a:solidFill>
+                      <a:schemeClr val="tx1"/>
+                    </a:solidFill>
+                  </a:rPr>
                   <a:t>) </a:t>
                 </a:r>
                 <a:br>
-                  <a:rPr lang="it-IT" dirty="0"/>
+                  <a:rPr lang="it-IT" dirty="0">
+                    <a:solidFill>
+                      <a:schemeClr val="tx1"/>
+                    </a:solidFill>
+                  </a:rPr>
                 </a:br>
-                <a:endParaRPr lang="it-IT" dirty="0"/>
+                <a:endParaRPr lang="it-IT" dirty="0">
+                  <a:solidFill>
+                    <a:schemeClr val="tx1"/>
+                  </a:solidFill>
+                </a:endParaRPr>
               </a:p>
               <a:p>
                 <a:r>
-                  <a:rPr lang="it-IT" dirty="0"/>
+                  <a:rPr lang="it-IT" dirty="0">
+                    <a:solidFill>
+                      <a:schemeClr val="tx1"/>
+                    </a:solidFill>
+                  </a:rPr>
                   <a:t>Ridurre la dimensione dello spazio di stato</a:t>
                 </a:r>
               </a:p>
@@ -6418,43 +6598,87 @@
                 <a:pPr marL="0" indent="0">
                   <a:buNone/>
                 </a:pPr>
-                <a:endParaRPr lang="it-IT" dirty="0"/>
+                <a:endParaRPr lang="it-IT" dirty="0">
+                  <a:solidFill>
+                    <a:schemeClr val="tx1"/>
+                  </a:solidFill>
+                </a:endParaRPr>
               </a:p>
               <a:p>
                 <a:r>
-                  <a:rPr lang="it-IT" dirty="0"/>
+                  <a:rPr lang="it-IT" dirty="0">
+                    <a:solidFill>
+                      <a:schemeClr val="tx1"/>
+                    </a:solidFill>
+                  </a:rPr>
                   <a:t>Filtrare gli stati considerando gli </a:t>
                 </a:r>
                 <a:r>
-                  <a:rPr lang="it-IT" b="1" dirty="0" err="1"/>
+                  <a:rPr lang="it-IT" b="1" dirty="0" err="1">
+                    <a:solidFill>
+                      <a:schemeClr val="tx1"/>
+                    </a:solidFill>
+                  </a:rPr>
                   <a:t>Afterstate</a:t>
                 </a:r>
                 <a:r>
-                  <a:rPr lang="it-IT" b="1" dirty="0"/>
+                  <a:rPr lang="it-IT" b="1" dirty="0">
+                    <a:solidFill>
+                      <a:schemeClr val="tx1"/>
+                    </a:solidFill>
+                  </a:rPr>
                   <a:t> </a:t>
                 </a:r>
                 <a:br>
-                  <a:rPr lang="it-IT" dirty="0"/>
+                  <a:rPr lang="it-IT" dirty="0">
+                    <a:solidFill>
+                      <a:schemeClr val="tx1"/>
+                    </a:solidFill>
+                  </a:rPr>
                 </a:br>
-                <a:endParaRPr lang="it-IT" dirty="0"/>
+                <a:endParaRPr lang="it-IT" dirty="0">
+                  <a:solidFill>
+                    <a:schemeClr val="tx1"/>
+                  </a:solidFill>
+                </a:endParaRPr>
               </a:p>
               <a:p>
                 <a:r>
-                  <a:rPr lang="it-IT" dirty="0"/>
+                  <a:rPr lang="it-IT" dirty="0">
+                    <a:solidFill>
+                      <a:schemeClr val="tx1"/>
+                    </a:solidFill>
+                  </a:rPr>
                   <a:t>Filtrare gli stati che non sono ammissibili :</a:t>
                 </a:r>
                 <a:br>
-                  <a:rPr lang="it-IT" dirty="0"/>
+                  <a:rPr lang="it-IT" dirty="0">
+                    <a:solidFill>
+                      <a:schemeClr val="tx1"/>
+                    </a:solidFill>
+                  </a:rPr>
                 </a:br>
                 <a:r>
-                  <a:rPr lang="it-IT" dirty="0"/>
+                  <a:rPr lang="it-IT" dirty="0">
+                    <a:solidFill>
+                      <a:schemeClr val="tx1"/>
+                    </a:solidFill>
+                  </a:rPr>
                   <a:t>- considerando il numero dei segni nostri e dell’avversario</a:t>
                 </a:r>
                 <a:br>
-                  <a:rPr lang="it-IT" dirty="0"/>
+                  <a:rPr lang="it-IT" dirty="0">
+                    <a:solidFill>
+                      <a:schemeClr val="tx1"/>
+                    </a:solidFill>
+                  </a:rPr>
                 </a:br>
                 <a:r>
-                  <a:rPr lang="it-IT" dirty="0"/>
+                  <a:rPr lang="it-IT" dirty="0">
+                    <a:solidFill>
+                      <a:schemeClr val="tx1"/>
+                    </a:solidFill>
+                  </a:rPr>
                   <a:t>- configurazioni della griglia che in una partita non possono capitare</a:t>
                 </a:r>
                 <a:br>
@@ -6585,64 +6809,132 @@
           <a:lstStyle/>
           <a:p>
             <a:r>
-              <a:rPr lang="it-IT" b="1" dirty="0"/>
+              <a:rPr lang="it-IT" b="1" dirty="0">
+                <a:solidFill>
+                  <a:schemeClr val="tx1"/>
+                </a:solidFill>
+              </a:rPr>
               <a:t>P </a:t>
             </a:r>
             <a:r>
-              <a:rPr lang="it-IT" dirty="0"/>
+              <a:rPr lang="it-IT" dirty="0">
+                <a:solidFill>
+                  <a:schemeClr val="tx1"/>
+                </a:solidFill>
+              </a:rPr>
               <a:t>-&gt; </a:t>
             </a:r>
             <a:r>
-              <a:rPr lang="it-IT" b="1" dirty="0"/>
+              <a:rPr lang="it-IT" b="1" dirty="0">
+                <a:solidFill>
+                  <a:schemeClr val="tx1"/>
+                </a:solidFill>
+              </a:rPr>
               <a:t>Matrice della Transizione dello Stato</a:t>
             </a:r>
             <a:br>
-              <a:rPr lang="it-IT" dirty="0"/>
+              <a:rPr lang="it-IT" dirty="0">
+                <a:solidFill>
+                  <a:schemeClr val="tx1"/>
+                </a:solidFill>
+              </a:rPr>
             </a:br>
             <a:br>
-              <a:rPr lang="it-IT" dirty="0"/>
+              <a:rPr lang="it-IT" dirty="0">
+                <a:solidFill>
+                  <a:schemeClr val="tx1"/>
+                </a:solidFill>
+              </a:rPr>
             </a:br>
             <a:r>
-              <a:rPr lang="it-IT" dirty="0"/>
+              <a:rPr lang="it-IT" dirty="0">
+                <a:solidFill>
+                  <a:schemeClr val="tx1"/>
+                </a:solidFill>
+              </a:rPr>
               <a:t>Costruisco per ogni possibile azione la matrice che mi dice partendo da uno stato(sulle righe) e prendendo quell’azione in quale stato finisco(sulle colonne)</a:t>
             </a:r>
             <a:br>
-              <a:rPr lang="it-IT" dirty="0"/>
+              <a:rPr lang="it-IT" dirty="0">
+                <a:solidFill>
+                  <a:schemeClr val="tx1"/>
+                </a:solidFill>
+              </a:rPr>
             </a:br>
-            <a:endParaRPr lang="it-IT" dirty="0"/>
-          </a:p>
-          <a:p>
-            <a:r>
-              <a:rPr lang="it-IT" b="1" dirty="0"/>
+            <a:endParaRPr lang="it-IT" dirty="0">
+              <a:solidFill>
+                <a:schemeClr val="tx1"/>
+              </a:solidFill>
+            </a:endParaRPr>
+          </a:p>
+          <a:p>
+            <a:r>
+              <a:rPr lang="it-IT" b="1" dirty="0">
+                <a:solidFill>
+                  <a:schemeClr val="tx1"/>
+                </a:solidFill>
+              </a:rPr>
               <a:t>R</a:t>
             </a:r>
             <a:r>
-              <a:rPr lang="it-IT" dirty="0"/>
+              <a:rPr lang="it-IT" dirty="0">
+                <a:solidFill>
+                  <a:schemeClr val="tx1"/>
+                </a:solidFill>
+              </a:rPr>
               <a:t> -&gt; </a:t>
             </a:r>
             <a:r>
-              <a:rPr lang="it-IT" b="1" dirty="0"/>
+              <a:rPr lang="it-IT" b="1" dirty="0">
+                <a:solidFill>
+                  <a:schemeClr val="tx1"/>
+                </a:solidFill>
+              </a:rPr>
               <a:t>Matrice delle </a:t>
             </a:r>
             <a:r>
-              <a:rPr lang="it-IT" b="1" dirty="0" err="1"/>
+              <a:rPr lang="it-IT" b="1" dirty="0" err="1">
+                <a:solidFill>
+                  <a:schemeClr val="tx1"/>
+                </a:solidFill>
+              </a:rPr>
               <a:t>Reward</a:t>
             </a:r>
             <a:br>
-              <a:rPr lang="it-IT" dirty="0"/>
+              <a:rPr lang="it-IT" dirty="0">
+                <a:solidFill>
+                  <a:schemeClr val="tx1"/>
+                </a:solidFill>
+              </a:rPr>
             </a:br>
             <a:br>
-              <a:rPr lang="it-IT" dirty="0"/>
+              <a:rPr lang="it-IT" dirty="0">
+                <a:solidFill>
+                  <a:schemeClr val="tx1"/>
+                </a:solidFill>
+              </a:rPr>
             </a:br>
             <a:r>
-              <a:rPr lang="it-IT" dirty="0"/>
+              <a:rPr lang="it-IT" dirty="0">
+                <a:solidFill>
+                  <a:schemeClr val="tx1"/>
+                </a:solidFill>
+              </a:rPr>
               <a:t>Costruisco la matrice delle Ricompense che mi dice per ogni stato qual è la ricompensa che ricevo.</a:t>
             </a:r>
             <a:br>
-              <a:rPr lang="it-IT" dirty="0"/>
+              <a:rPr lang="it-IT" dirty="0">
+                <a:solidFill>
+                  <a:schemeClr val="tx1"/>
+                </a:solidFill>
+              </a:rPr>
             </a:br>
             <a:r>
-              <a:rPr lang="it-IT" dirty="0"/>
+              <a:rPr lang="it-IT" dirty="0">
+                <a:solidFill>
+                  <a:schemeClr val="tx1"/>
+                </a:solidFill>
+              </a:rPr>
               <a:t>Costruita tramite una funzione che iterata su tutti gli stati mi dice quali sono vincenti e quali perdenti.</a:t>
             </a:r>
           </a:p>
@@ -6773,66 +7065,134 @@
           <a:lstStyle/>
           <a:p>
             <a:r>
-              <a:rPr lang="it-IT" dirty="0"/>
+              <a:rPr lang="it-IT" dirty="0">
+                <a:solidFill>
+                  <a:schemeClr val="tx1"/>
+                </a:solidFill>
+              </a:rPr>
               <a:t>L’algoritmo di Policy </a:t>
             </a:r>
             <a:r>
-              <a:rPr lang="it-IT" dirty="0" err="1"/>
+              <a:rPr lang="it-IT" dirty="0" err="1">
+                <a:solidFill>
+                  <a:schemeClr val="tx1"/>
+                </a:solidFill>
+              </a:rPr>
               <a:t>Iteration</a:t>
             </a:r>
             <a:r>
-              <a:rPr lang="it-IT" dirty="0"/>
+              <a:rPr lang="it-IT" dirty="0">
+                <a:solidFill>
+                  <a:schemeClr val="tx1"/>
+                </a:solidFill>
+              </a:rPr>
               <a:t> alterna le fasi di:</a:t>
             </a:r>
             <a:br>
-              <a:rPr lang="it-IT" dirty="0"/>
+              <a:rPr lang="it-IT" dirty="0">
+                <a:solidFill>
+                  <a:schemeClr val="tx1"/>
+                </a:solidFill>
+              </a:rPr>
             </a:br>
             <a:r>
-              <a:rPr lang="it-IT" dirty="0"/>
+              <a:rPr lang="it-IT" dirty="0">
+                <a:solidFill>
+                  <a:schemeClr val="tx1"/>
+                </a:solidFill>
+              </a:rPr>
               <a:t>- Policy Evaluation</a:t>
             </a:r>
             <a:br>
-              <a:rPr lang="it-IT" dirty="0"/>
+              <a:rPr lang="it-IT" dirty="0">
+                <a:solidFill>
+                  <a:schemeClr val="tx1"/>
+                </a:solidFill>
+              </a:rPr>
             </a:br>
             <a:r>
-              <a:rPr lang="it-IT" dirty="0"/>
+              <a:rPr lang="it-IT" dirty="0">
+                <a:solidFill>
+                  <a:schemeClr val="tx1"/>
+                </a:solidFill>
+              </a:rPr>
               <a:t>- Policy </a:t>
             </a:r>
             <a:r>
-              <a:rPr lang="it-IT" dirty="0" err="1"/>
+              <a:rPr lang="it-IT" dirty="0" err="1">
+                <a:solidFill>
+                  <a:schemeClr val="tx1"/>
+                </a:solidFill>
+              </a:rPr>
               <a:t>Improvement</a:t>
             </a:r>
             <a:br>
-              <a:rPr lang="it-IT" dirty="0"/>
+              <a:rPr lang="it-IT" dirty="0">
+                <a:solidFill>
+                  <a:schemeClr val="tx1"/>
+                </a:solidFill>
+              </a:rPr>
             </a:br>
-            <a:endParaRPr lang="it-IT" dirty="0"/>
-          </a:p>
-          <a:p>
-            <a:r>
-              <a:rPr lang="it-IT" dirty="0"/>
+            <a:endParaRPr lang="it-IT" dirty="0">
+              <a:solidFill>
+                <a:schemeClr val="tx1"/>
+              </a:solidFill>
+            </a:endParaRPr>
+          </a:p>
+          <a:p>
+            <a:r>
+              <a:rPr lang="it-IT" dirty="0">
+                <a:solidFill>
+                  <a:schemeClr val="tx1"/>
+                </a:solidFill>
+              </a:rPr>
               <a:t>La Policy Evaluation viene iterata </a:t>
             </a:r>
             <a:r>
-              <a:rPr lang="it-IT" dirty="0" err="1"/>
+              <a:rPr lang="it-IT" dirty="0" err="1">
+                <a:solidFill>
+                  <a:schemeClr val="tx1"/>
+                </a:solidFill>
+              </a:rPr>
               <a:t>finchè</a:t>
             </a:r>
             <a:r>
-              <a:rPr lang="it-IT" dirty="0"/>
+              <a:rPr lang="it-IT" dirty="0">
+                <a:solidFill>
+                  <a:schemeClr val="tx1"/>
+                </a:solidFill>
+              </a:rPr>
               <a:t> non ho convergenza sulla funzione valore, </a:t>
             </a:r>
             <a:r>
-              <a:rPr lang="it-IT" dirty="0" err="1"/>
+              <a:rPr lang="it-IT" dirty="0" err="1">
+                <a:solidFill>
+                  <a:schemeClr val="tx1"/>
+                </a:solidFill>
+              </a:rPr>
               <a:t>succesivamente</a:t>
             </a:r>
             <a:r>
-              <a:rPr lang="it-IT" dirty="0"/>
+              <a:rPr lang="it-IT" dirty="0">
+                <a:solidFill>
+                  <a:schemeClr val="tx1"/>
+                </a:solidFill>
+              </a:rPr>
               <a:t> viene effettuato la Policy </a:t>
             </a:r>
             <a:r>
-              <a:rPr lang="it-IT" dirty="0" err="1"/>
+              <a:rPr lang="it-IT" dirty="0" err="1">
+                <a:solidFill>
+                  <a:schemeClr val="tx1"/>
+                </a:solidFill>
+              </a:rPr>
               <a:t>Improvement</a:t>
             </a:r>
-            <a:endParaRPr lang="it-IT" dirty="0"/>
+            <a:endParaRPr lang="it-IT" dirty="0">
+              <a:solidFill>
+                <a:schemeClr val="tx1"/>
+              </a:solidFill>
+            </a:endParaRPr>
           </a:p>
         </p:txBody>
       </p:sp>
@@ -6961,23 +7321,43 @@
           <a:lstStyle/>
           <a:p>
             <a:r>
-              <a:rPr lang="it-IT" dirty="0"/>
+              <a:rPr lang="it-IT" dirty="0">
+                <a:solidFill>
+                  <a:schemeClr val="tx1"/>
+                </a:solidFill>
+              </a:rPr>
               <a:t>L’algoritmo di Value </a:t>
             </a:r>
             <a:r>
-              <a:rPr lang="it-IT" dirty="0" err="1"/>
+              <a:rPr lang="it-IT" dirty="0" err="1">
+                <a:solidFill>
+                  <a:schemeClr val="tx1"/>
+                </a:solidFill>
+              </a:rPr>
               <a:t>Iteration</a:t>
             </a:r>
             <a:r>
-              <a:rPr lang="it-IT" dirty="0"/>
+              <a:rPr lang="it-IT" dirty="0">
+                <a:solidFill>
+                  <a:schemeClr val="tx1"/>
+                </a:solidFill>
+              </a:rPr>
               <a:t> effettua una singola iterazione di Policy Evaluation(senza arrivare a convergenza)  poi un’iterazione la Policy </a:t>
             </a:r>
             <a:r>
-              <a:rPr lang="it-IT" dirty="0" err="1"/>
+              <a:rPr lang="it-IT" dirty="0" err="1">
+                <a:solidFill>
+                  <a:schemeClr val="tx1"/>
+                </a:solidFill>
+              </a:rPr>
               <a:t>Improvement</a:t>
             </a:r>
             <a:r>
-              <a:rPr lang="it-IT" dirty="0"/>
+              <a:rPr lang="it-IT" dirty="0">
+                <a:solidFill>
+                  <a:schemeClr val="tx1"/>
+                </a:solidFill>
+              </a:rPr>
               <a:t> e ripete questa sequenza.</a:t>
             </a:r>
           </a:p>
@@ -7068,7 +7448,11 @@
           <a:lstStyle/>
           <a:p>
             <a:r>
-              <a:rPr lang="it-IT" dirty="0"/>
+              <a:rPr lang="it-IT" dirty="0">
+                <a:solidFill>
+                  <a:schemeClr val="tx1"/>
+                </a:solidFill>
+              </a:rPr>
               <a:t>Applicando entrambi gli algoritmi si ottiene una policy ottima che è sempre in grado di vincere da quanto osservato nelle simulazioni.</a:t>
             </a:r>
           </a:p>

--- a/Assignment 2/Presentation_Ass2.pptx
+++ b/Assignment 2/Presentation_Ass2.pptx
@@ -6387,8 +6387,29 @@
                   <a:schemeClr val="tx1"/>
                 </a:solidFill>
               </a:rPr>
-              <a:t> (VI)</a:t>
-            </a:r>
+              <a:t> (VI), </a:t>
+            </a:r>
+            <a:r>
+              <a:rPr lang="it-IT" dirty="0">
+                <a:solidFill>
+                  <a:schemeClr val="tx1"/>
+                </a:solidFill>
+              </a:rPr>
+              <a:t>algoritmi che richiedono la conoscenza </a:t>
+            </a:r>
+            <a:r>
+              <a:rPr lang="it-IT">
+                <a:solidFill>
+                  <a:schemeClr val="tx1"/>
+                </a:solidFill>
+              </a:rPr>
+              <a:t>del modello</a:t>
+            </a:r>
+            <a:endParaRPr lang="it-IT" b="1" dirty="0">
+              <a:solidFill>
+                <a:schemeClr val="tx1"/>
+              </a:solidFill>
+            </a:endParaRPr>
           </a:p>
         </p:txBody>
       </p:sp>
@@ -6483,8 +6504,8 @@
           </a:p>
         </p:txBody>
       </p:sp>
-      <mc:AlternateContent xmlns:mc="http://schemas.openxmlformats.org/markup-compatibility/2006">
-        <mc:Choice xmlns:a14="http://schemas.microsoft.com/office/drawing/2010/main" Requires="a14">
+      <mc:AlternateContent xmlns:mc="http://schemas.openxmlformats.org/markup-compatibility/2006" xmlns:a14="http://schemas.microsoft.com/office/drawing/2010/main">
+        <mc:Choice Requires="a14">
           <p:sp>
             <p:nvSpPr>
               <p:cNvPr id="3" name="Segnaposto contenuto 2">
@@ -6689,7 +6710,7 @@
             </p:txBody>
           </p:sp>
         </mc:Choice>
-        <mc:Fallback>
+        <mc:Fallback xmlns="">
           <p:sp>
             <p:nvSpPr>
               <p:cNvPr id="3" name="Segnaposto contenuto 2">
